--- a/MSUS LaTeX Workshop 20200116.pptx
+++ b/MSUS LaTeX Workshop 20200116.pptx
@@ -219,7 +219,7 @@
           <a:p>
             <a:fld id="{DCD17E05-C0C8-4FDF-9CED-282BE5659581}" type="datetimeFigureOut">
               <a:rPr lang="en-US" smtClean="0"/>
-              <a:t>1/15/2020</a:t>
+              <a:t>1/16/2020</a:t>
             </a:fld>
             <a:endParaRPr lang="en-US"/>
           </a:p>
@@ -2543,7 +2543,7 @@
           <a:p>
             <a:fld id="{2C6D6DAF-EE38-4CE3-B7CB-AD52F709554D}" type="datetimeFigureOut">
               <a:rPr lang="en-US" smtClean="0"/>
-              <a:t>1/15/2020</a:t>
+              <a:t>1/16/2020</a:t>
             </a:fld>
             <a:endParaRPr lang="en-US"/>
           </a:p>
@@ -4014,7 +4014,7 @@
                             </p:stCondLst>
                             <p:childTnLst>
                               <p:par>
-                                <p:cTn id="33" presetID="1" presetClass="entr" presetSubtype="0" fill="hold" nodeType="clickEffect">
+                                <p:cTn id="33" presetID="1" presetClass="entr" presetSubtype="0" fill="hold" grpId="0" nodeType="clickEffect">
                                   <p:stCondLst>
                                     <p:cond delay="0"/>
                                   </p:stCondLst>
@@ -4027,11 +4027,7 @@
                                           </p:stCondLst>
                                         </p:cTn>
                                         <p:tgtEl>
-                                          <p:spTgt spid="3">
-                                            <p:txEl>
-                                              <p:pRg st="11" end="11"/>
-                                            </p:txEl>
-                                          </p:spTgt>
+                                          <p:spTgt spid="6"/>
                                         </p:tgtEl>
                                         <p:attrNameLst>
                                           <p:attrName>style.visibility</p:attrName>
@@ -4058,11 +4054,7 @@
                                           </p:stCondLst>
                                         </p:cTn>
                                         <p:tgtEl>
-                                          <p:spTgt spid="3">
-                                            <p:txEl>
-                                              <p:pRg st="12" end="12"/>
-                                            </p:txEl>
-                                          </p:spTgt>
+                                          <p:spTgt spid="7"/>
                                         </p:tgtEl>
                                         <p:attrNameLst>
                                           <p:attrName>style.visibility</p:attrName>
@@ -4109,6 +4101,86 @@
                                         <p:tgtEl>
                                           <p:spTgt spid="3">
                                             <p:txEl>
+                                              <p:pRg st="11" end="11"/>
+                                            </p:txEl>
+                                          </p:spTgt>
+                                        </p:tgtEl>
+                                        <p:attrNameLst>
+                                          <p:attrName>style.visibility</p:attrName>
+                                        </p:attrNameLst>
+                                      </p:cBhvr>
+                                      <p:to>
+                                        <p:strVal val="visible"/>
+                                      </p:to>
+                                    </p:set>
+                                  </p:childTnLst>
+                                </p:cTn>
+                              </p:par>
+                              <p:par>
+                                <p:cTn id="41" presetID="1" presetClass="entr" presetSubtype="0" fill="hold" nodeType="withEffect">
+                                  <p:stCondLst>
+                                    <p:cond delay="0"/>
+                                  </p:stCondLst>
+                                  <p:childTnLst>
+                                    <p:set>
+                                      <p:cBhvr>
+                                        <p:cTn id="42" dur="1" fill="hold">
+                                          <p:stCondLst>
+                                            <p:cond delay="0"/>
+                                          </p:stCondLst>
+                                        </p:cTn>
+                                        <p:tgtEl>
+                                          <p:spTgt spid="3">
+                                            <p:txEl>
+                                              <p:pRg st="12" end="12"/>
+                                            </p:txEl>
+                                          </p:spTgt>
+                                        </p:tgtEl>
+                                        <p:attrNameLst>
+                                          <p:attrName>style.visibility</p:attrName>
+                                        </p:attrNameLst>
+                                      </p:cBhvr>
+                                      <p:to>
+                                        <p:strVal val="visible"/>
+                                      </p:to>
+                                    </p:set>
+                                  </p:childTnLst>
+                                </p:cTn>
+                              </p:par>
+                            </p:childTnLst>
+                          </p:cTn>
+                        </p:par>
+                      </p:childTnLst>
+                    </p:cTn>
+                  </p:par>
+                  <p:par>
+                    <p:cTn id="43" fill="hold">
+                      <p:stCondLst>
+                        <p:cond delay="indefinite"/>
+                      </p:stCondLst>
+                      <p:childTnLst>
+                        <p:par>
+                          <p:cTn id="44" fill="hold">
+                            <p:stCondLst>
+                              <p:cond delay="0"/>
+                            </p:stCondLst>
+                            <p:childTnLst>
+                              <p:par>
+                                <p:cTn id="45" presetID="1" presetClass="entr" presetSubtype="0" fill="hold" nodeType="clickEffect">
+                                  <p:stCondLst>
+                                    <p:cond delay="0"/>
+                                  </p:stCondLst>
+                                  <p:childTnLst>
+                                    <p:set>
+                                      <p:cBhvr>
+                                        <p:cTn id="46" dur="1" fill="hold">
+                                          <p:stCondLst>
+                                            <p:cond delay="0"/>
+                                          </p:stCondLst>
+                                        </p:cTn>
+                                        <p:tgtEl>
+                                          <p:spTgt spid="3">
+                                            <p:txEl>
                                               <p:pRg st="13" end="13"/>
                                             </p:txEl>
                                           </p:spTgt>
@@ -4131,26 +4203,26 @@
                     </p:cTn>
                   </p:par>
                   <p:par>
-                    <p:cTn id="41" fill="hold">
+                    <p:cTn id="47" fill="hold">
                       <p:stCondLst>
                         <p:cond delay="indefinite"/>
                       </p:stCondLst>
                       <p:childTnLst>
                         <p:par>
-                          <p:cTn id="42" fill="hold">
+                          <p:cTn id="48" fill="hold">
                             <p:stCondLst>
                               <p:cond delay="0"/>
                             </p:stCondLst>
                             <p:childTnLst>
                               <p:par>
-                                <p:cTn id="43" presetID="1" presetClass="entr" presetSubtype="0" fill="hold" nodeType="clickEffect">
+                                <p:cTn id="49" presetID="1" presetClass="entr" presetSubtype="0" fill="hold" nodeType="clickEffect">
                                   <p:stCondLst>
                                     <p:cond delay="0"/>
                                   </p:stCondLst>
                                   <p:childTnLst>
                                     <p:set>
                                       <p:cBhvr>
-                                        <p:cTn id="44" dur="1" fill="hold">
+                                        <p:cTn id="50" dur="1" fill="hold">
                                           <p:stCondLst>
                                             <p:cond delay="0"/>
                                           </p:stCondLst>
@@ -4180,26 +4252,26 @@
                     </p:cTn>
                   </p:par>
                   <p:par>
-                    <p:cTn id="45" fill="hold">
+                    <p:cTn id="51" fill="hold">
                       <p:stCondLst>
                         <p:cond delay="indefinite"/>
                       </p:stCondLst>
                       <p:childTnLst>
                         <p:par>
-                          <p:cTn id="46" fill="hold">
+                          <p:cTn id="52" fill="hold">
                             <p:stCondLst>
                               <p:cond delay="0"/>
                             </p:stCondLst>
                             <p:childTnLst>
                               <p:par>
-                                <p:cTn id="47" presetID="1" presetClass="entr" presetSubtype="0" fill="hold" nodeType="clickEffect">
+                                <p:cTn id="53" presetID="1" presetClass="entr" presetSubtype="0" fill="hold" nodeType="clickEffect">
                                   <p:stCondLst>
                                     <p:cond delay="0"/>
                                   </p:stCondLst>
                                   <p:childTnLst>
                                     <p:set>
                                       <p:cBhvr>
-                                        <p:cTn id="48" dur="1" fill="hold">
+                                        <p:cTn id="54" dur="1" fill="hold">
                                           <p:stCondLst>
                                             <p:cond delay="0"/>
                                           </p:stCondLst>
@@ -4229,26 +4301,26 @@
                     </p:cTn>
                   </p:par>
                   <p:par>
-                    <p:cTn id="49" fill="hold">
+                    <p:cTn id="55" fill="hold">
                       <p:stCondLst>
                         <p:cond delay="indefinite"/>
                       </p:stCondLst>
                       <p:childTnLst>
                         <p:par>
-                          <p:cTn id="50" fill="hold">
+                          <p:cTn id="56" fill="hold">
                             <p:stCondLst>
                               <p:cond delay="0"/>
                             </p:stCondLst>
                             <p:childTnLst>
                               <p:par>
-                                <p:cTn id="51" presetID="1" presetClass="entr" presetSubtype="0" fill="hold" nodeType="clickEffect">
+                                <p:cTn id="57" presetID="1" presetClass="entr" presetSubtype="0" fill="hold" nodeType="clickEffect">
                                   <p:stCondLst>
                                     <p:cond delay="0"/>
                                   </p:stCondLst>
                                   <p:childTnLst>
                                     <p:set>
                                       <p:cBhvr>
-                                        <p:cTn id="52" dur="1" fill="hold">
+                                        <p:cTn id="58" dur="1" fill="hold">
                                           <p:stCondLst>
                                             <p:cond delay="0"/>
                                           </p:stCondLst>
@@ -4298,6 +4370,9 @@
         </p:cTn>
       </p:par>
     </p:tnLst>
+    <p:bldLst>
+      <p:bldP spid="6" grpId="0"/>
+    </p:bldLst>
   </p:timing>
 </p:sld>
 </file>
@@ -5483,9 +5558,6 @@
               </a:rPr>
               <a:t>Letters/P-sets</a:t>
             </a:r>
-            <a:endParaRPr lang="en-US" dirty="0" smtClean="0">
-              <a:latin typeface="cmr10" panose="020B0500000000000000" pitchFamily="34" charset="0"/>
-            </a:endParaRPr>
           </a:p>
         </p:txBody>
       </p:sp>
@@ -5516,9 +5588,6 @@
               </a:rPr>
               <a:t>Essays/Reports</a:t>
             </a:r>
-            <a:endParaRPr lang="en-US" dirty="0" smtClean="0">
-              <a:latin typeface="cmr10" panose="020B0500000000000000" pitchFamily="34" charset="0"/>
-            </a:endParaRPr>
           </a:p>
         </p:txBody>
       </p:sp>
@@ -5549,9 +5618,6 @@
               </a:rPr>
               <a:t>Manuscripts</a:t>
             </a:r>
-            <a:endParaRPr lang="en-US" dirty="0" smtClean="0">
-              <a:latin typeface="cmr10" panose="020B0500000000000000" pitchFamily="34" charset="0"/>
-            </a:endParaRPr>
           </a:p>
         </p:txBody>
       </p:sp>
@@ -5582,9 +5648,6 @@
               </a:rPr>
               <a:t>Theses</a:t>
             </a:r>
-            <a:endParaRPr lang="en-US" dirty="0" smtClean="0">
-              <a:latin typeface="cmr10" panose="020B0500000000000000" pitchFamily="34" charset="0"/>
-            </a:endParaRPr>
           </a:p>
         </p:txBody>
       </p:sp>
@@ -5621,9 +5684,6 @@
               </a:rPr>
               <a:t>*</a:t>
             </a:r>
-            <a:endParaRPr lang="en-US" baseline="30000" dirty="0" smtClean="0">
-              <a:latin typeface="cmr10" panose="020B0500000000000000" pitchFamily="34" charset="0"/>
-            </a:endParaRPr>
           </a:p>
         </p:txBody>
       </p:sp>
@@ -5691,12 +5751,6 @@
               </a:rPr>
               <a:t>+symbols</a:t>
             </a:r>
-            <a:endParaRPr lang="en-US" dirty="0" smtClean="0">
-              <a:solidFill>
-                <a:schemeClr val="tx2"/>
-              </a:solidFill>
-              <a:latin typeface="cmr10" panose="020B0500000000000000" pitchFamily="34" charset="0"/>
-            </a:endParaRPr>
           </a:p>
         </p:txBody>
       </p:sp>
@@ -5747,12 +5801,6 @@
               </a:rPr>
               <a:t>+graphics</a:t>
             </a:r>
-            <a:endParaRPr lang="en-US" dirty="0" smtClean="0">
-              <a:solidFill>
-                <a:schemeClr val="tx2"/>
-              </a:solidFill>
-              <a:latin typeface="cmr10" panose="020B0500000000000000" pitchFamily="34" charset="0"/>
-            </a:endParaRPr>
           </a:p>
         </p:txBody>
       </p:sp>
@@ -5832,9 +5880,6 @@
               </a:rPr>
               <a:t>Course Documents</a:t>
             </a:r>
-            <a:endParaRPr lang="en-US" dirty="0" smtClean="0">
-              <a:latin typeface="cmr10" panose="020B0500000000000000" pitchFamily="34" charset="0"/>
-            </a:endParaRPr>
           </a:p>
         </p:txBody>
       </p:sp>
@@ -5895,15 +5940,6 @@
                 <a:latin typeface="cmr10" panose="020B0500000000000000" pitchFamily="34" charset="0"/>
               </a:rPr>
               <a:t>+indexing</a:t>
-            </a:r>
-            <a:r>
-              <a:rPr lang="en-US" dirty="0" smtClean="0">
-                <a:solidFill>
-                  <a:schemeClr val="tx2"/>
-                </a:solidFill>
-                <a:latin typeface="cmr10" panose="020B0500000000000000" pitchFamily="34" charset="0"/>
-              </a:rPr>
-              <a:t/>
             </a:r>
             <a:br>
               <a:rPr lang="en-US" dirty="0" smtClean="0">
@@ -5969,12 +6005,6 @@
               </a:rPr>
               <a:t>+bibliographies</a:t>
             </a:r>
-            <a:endParaRPr lang="en-US" dirty="0" smtClean="0">
-              <a:solidFill>
-                <a:schemeClr val="tx2"/>
-              </a:solidFill>
-              <a:latin typeface="cmr10" panose="020B0500000000000000" pitchFamily="34" charset="0"/>
-            </a:endParaRPr>
           </a:p>
         </p:txBody>
       </p:sp>
@@ -6230,12 +6260,6 @@
               </a:rPr>
               <a:t>Natural Sciences</a:t>
             </a:r>
-            <a:endParaRPr lang="en-US" dirty="0" smtClean="0">
-              <a:solidFill>
-                <a:schemeClr val="tx2"/>
-              </a:solidFill>
-              <a:latin typeface="cmr10" panose="020B0500000000000000" pitchFamily="34" charset="0"/>
-            </a:endParaRPr>
           </a:p>
         </p:txBody>
       </p:sp>
@@ -6295,12 +6319,6 @@
               </a:rPr>
               <a:t>Social Sciences</a:t>
             </a:r>
-            <a:endParaRPr lang="en-US" dirty="0" smtClean="0">
-              <a:solidFill>
-                <a:srgbClr val="0071C1"/>
-              </a:solidFill>
-              <a:latin typeface="cmr10" panose="020B0500000000000000" pitchFamily="34" charset="0"/>
-            </a:endParaRPr>
           </a:p>
         </p:txBody>
       </p:sp>
@@ -6378,9 +6396,6 @@
               </a:rPr>
               <a:t>Effort</a:t>
             </a:r>
-            <a:endParaRPr lang="en-US" sz="3000" dirty="0" smtClean="0">
-              <a:latin typeface="cmr10" panose="020B0500000000000000" pitchFamily="34" charset="0"/>
-            </a:endParaRPr>
           </a:p>
         </p:txBody>
       </p:sp>
@@ -6411,9 +6426,6 @@
               </a:rPr>
               <a:t>Complexity</a:t>
             </a:r>
-            <a:endParaRPr lang="en-US" sz="3000" dirty="0" smtClean="0">
-              <a:latin typeface="cmr10" panose="020B0500000000000000" pitchFamily="34" charset="0"/>
-            </a:endParaRPr>
           </a:p>
         </p:txBody>
       </p:sp>
@@ -6734,13 +6746,8 @@
             <a:pPr lvl="2"/>
             <a:r>
               <a:rPr lang="en-US" dirty="0" smtClean="0"/>
-              <a:t>Global </a:t>
-            </a:r>
-            <a:r>
-              <a:rPr lang="en-US" dirty="0" smtClean="0"/>
-              <a:t>formatting</a:t>
-            </a:r>
-            <a:endParaRPr lang="en-US" dirty="0" smtClean="0"/>
+              <a:t>Global formatting</a:t>
+            </a:r>
           </a:p>
           <a:p>
             <a:pPr lvl="1"/>
@@ -7035,25 +7042,15 @@
             <a:pPr lvl="1"/>
             <a:r>
               <a:rPr lang="en-US" dirty="0" smtClean="0"/>
-              <a:t>Making a really nice </a:t>
-            </a:r>
+              <a:t>Making a really nice CV (next!).</a:t>
+            </a:r>
+          </a:p>
+          <a:p>
+            <a:pPr lvl="1"/>
             <a:r>
               <a:rPr lang="en-US" dirty="0" smtClean="0"/>
-              <a:t>CV (next!).</a:t>
-            </a:r>
-            <a:endParaRPr lang="en-US" dirty="0" smtClean="0"/>
-          </a:p>
-          <a:p>
-            <a:pPr lvl="1"/>
-            <a:r>
-              <a:rPr lang="en-US" dirty="0" smtClean="0"/>
-              <a:t>Exam-class </a:t>
-            </a:r>
-            <a:r>
-              <a:rPr lang="en-US" dirty="0" smtClean="0"/>
-              <a:t>documents</a:t>
-            </a:r>
-            <a:endParaRPr lang="en-US" dirty="0" smtClean="0"/>
+              <a:t>Exam-class documents</a:t>
+            </a:r>
           </a:p>
           <a:p>
             <a:pPr lvl="1"/>
@@ -7073,11 +7070,7 @@
             <a:pPr lvl="2"/>
             <a:r>
               <a:rPr lang="en-US" dirty="0" smtClean="0"/>
-              <a:t>Don’t kill yourself –          in </a:t>
-            </a:r>
-            <a:r>
-              <a:rPr lang="en-US" dirty="0" smtClean="0"/>
-              <a:t>PowerPoint or </a:t>
+              <a:t>Don’t kill yourself –          in PowerPoint or </a:t>
             </a:r>
             <a:r>
               <a:rPr lang="en-US" dirty="0" err="1" smtClean="0"/>
@@ -7087,7 +7080,6 @@
               <a:rPr lang="en-US" dirty="0" smtClean="0"/>
               <a:t>.</a:t>
             </a:r>
-            <a:endParaRPr lang="en-US" dirty="0" smtClean="0"/>
           </a:p>
           <a:p>
             <a:pPr lvl="1"/>
@@ -7146,11 +7138,7 @@
             <a:pPr lvl="1"/>
             <a:r>
               <a:rPr lang="en-US" dirty="0" smtClean="0"/>
-              <a:t>Custom </a:t>
-            </a:r>
-            <a:r>
-              <a:rPr lang="en-US" dirty="0" smtClean="0"/>
-              <a:t>environments</a:t>
+              <a:t>Custom environments</a:t>
             </a:r>
           </a:p>
           <a:p>
@@ -7173,7 +7161,6 @@
               <a:rPr lang="en-US" dirty="0" smtClean="0"/>
               <a:t>… anything you want.</a:t>
             </a:r>
-            <a:endParaRPr lang="en-US" dirty="0" smtClean="0"/>
           </a:p>
           <a:p>
             <a:pPr lvl="1"/>
